--- a/M10607504/M10607504_HW1.pptx
+++ b/M10607504/M10607504_HW1.pptx
@@ -16,6 +16,7 @@
     <p:sldId id="262" r:id="rId10"/>
     <p:sldId id="272" r:id="rId11"/>
     <p:sldId id="263" r:id="rId12"/>
+    <p:sldId id="273" r:id="rId13"/>
   </p:sldIdLst>
   <p:sldSz cx="12192000" cy="6858000"/>
   <p:notesSz cx="6858000" cy="9144000"/>
@@ -624,7 +625,7 @@
           <a:p>
             <a:fld id="{77AD8F7D-8FF2-44B4-B8E7-84C8E1206C8D}" type="datetimeFigureOut">
               <a:rPr lang="zh-TW" altLang="en-US" smtClean="0"/>
-              <a:t>2018/4/18</a:t>
+              <a:t>2018/5/1</a:t>
             </a:fld>
             <a:endParaRPr lang="zh-TW" altLang="en-US"/>
           </a:p>
@@ -920,7 +921,7 @@
           <a:p>
             <a:fld id="{77AD8F7D-8FF2-44B4-B8E7-84C8E1206C8D}" type="datetimeFigureOut">
               <a:rPr lang="zh-TW" altLang="en-US" smtClean="0"/>
-              <a:t>2018/4/18</a:t>
+              <a:t>2018/5/1</a:t>
             </a:fld>
             <a:endParaRPr lang="zh-TW" altLang="en-US"/>
           </a:p>
@@ -1168,7 +1169,7 @@
           <a:p>
             <a:fld id="{77AD8F7D-8FF2-44B4-B8E7-84C8E1206C8D}" type="datetimeFigureOut">
               <a:rPr lang="zh-TW" altLang="en-US" smtClean="0"/>
-              <a:t>2018/4/18</a:t>
+              <a:t>2018/5/1</a:t>
             </a:fld>
             <a:endParaRPr lang="zh-TW" altLang="en-US"/>
           </a:p>
@@ -1708,7 +1709,7 @@
           <a:p>
             <a:fld id="{77AD8F7D-8FF2-44B4-B8E7-84C8E1206C8D}" type="datetimeFigureOut">
               <a:rPr lang="zh-TW" altLang="en-US" smtClean="0"/>
-              <a:t>2018/4/18</a:t>
+              <a:t>2018/5/1</a:t>
             </a:fld>
             <a:endParaRPr lang="zh-TW" altLang="en-US"/>
           </a:p>
@@ -1956,7 +1957,7 @@
           <a:p>
             <a:fld id="{77AD8F7D-8FF2-44B4-B8E7-84C8E1206C8D}" type="datetimeFigureOut">
               <a:rPr lang="zh-TW" altLang="en-US" smtClean="0"/>
-              <a:t>2018/4/18</a:t>
+              <a:t>2018/5/1</a:t>
             </a:fld>
             <a:endParaRPr lang="zh-TW" altLang="en-US"/>
           </a:p>
@@ -2488,7 +2489,7 @@
           <a:p>
             <a:fld id="{77AD8F7D-8FF2-44B4-B8E7-84C8E1206C8D}" type="datetimeFigureOut">
               <a:rPr lang="zh-TW" altLang="en-US" smtClean="0"/>
-              <a:t>2018/4/18</a:t>
+              <a:t>2018/5/1</a:t>
             </a:fld>
             <a:endParaRPr lang="zh-TW" altLang="en-US"/>
           </a:p>
@@ -2785,7 +2786,7 @@
           <a:p>
             <a:fld id="{77AD8F7D-8FF2-44B4-B8E7-84C8E1206C8D}" type="datetimeFigureOut">
               <a:rPr lang="zh-TW" altLang="en-US" smtClean="0"/>
-              <a:t>2018/4/18</a:t>
+              <a:t>2018/5/1</a:t>
             </a:fld>
             <a:endParaRPr lang="zh-TW" altLang="en-US"/>
           </a:p>
@@ -2959,7 +2960,7 @@
           <a:p>
             <a:fld id="{77AD8F7D-8FF2-44B4-B8E7-84C8E1206C8D}" type="datetimeFigureOut">
               <a:rPr lang="zh-TW" altLang="en-US" smtClean="0"/>
-              <a:t>2018/4/18</a:t>
+              <a:t>2018/5/1</a:t>
             </a:fld>
             <a:endParaRPr lang="zh-TW" altLang="en-US"/>
           </a:p>
@@ -3139,7 +3140,7 @@
           <a:p>
             <a:fld id="{77AD8F7D-8FF2-44B4-B8E7-84C8E1206C8D}" type="datetimeFigureOut">
               <a:rPr lang="zh-TW" altLang="en-US" smtClean="0"/>
-              <a:t>2018/4/18</a:t>
+              <a:t>2018/5/1</a:t>
             </a:fld>
             <a:endParaRPr lang="zh-TW" altLang="en-US"/>
           </a:p>
@@ -3309,7 +3310,7 @@
           <a:p>
             <a:fld id="{77AD8F7D-8FF2-44B4-B8E7-84C8E1206C8D}" type="datetimeFigureOut">
               <a:rPr lang="zh-TW" altLang="en-US" smtClean="0"/>
-              <a:t>2018/4/18</a:t>
+              <a:t>2018/5/1</a:t>
             </a:fld>
             <a:endParaRPr lang="zh-TW" altLang="en-US"/>
           </a:p>
@@ -3560,7 +3561,7 @@
           <a:p>
             <a:fld id="{77AD8F7D-8FF2-44B4-B8E7-84C8E1206C8D}" type="datetimeFigureOut">
               <a:rPr lang="zh-TW" altLang="en-US" smtClean="0"/>
-              <a:t>2018/4/18</a:t>
+              <a:t>2018/5/1</a:t>
             </a:fld>
             <a:endParaRPr lang="zh-TW" altLang="en-US"/>
           </a:p>
@@ -3857,7 +3858,7 @@
           <a:p>
             <a:fld id="{77AD8F7D-8FF2-44B4-B8E7-84C8E1206C8D}" type="datetimeFigureOut">
               <a:rPr lang="zh-TW" altLang="en-US" smtClean="0"/>
-              <a:t>2018/4/18</a:t>
+              <a:t>2018/5/1</a:t>
             </a:fld>
             <a:endParaRPr lang="zh-TW" altLang="en-US"/>
           </a:p>
@@ -4299,7 +4300,7 @@
           <a:p>
             <a:fld id="{77AD8F7D-8FF2-44B4-B8E7-84C8E1206C8D}" type="datetimeFigureOut">
               <a:rPr lang="zh-TW" altLang="en-US" smtClean="0"/>
-              <a:t>2018/4/18</a:t>
+              <a:t>2018/5/1</a:t>
             </a:fld>
             <a:endParaRPr lang="zh-TW" altLang="en-US"/>
           </a:p>
@@ -4417,7 +4418,7 @@
           <a:p>
             <a:fld id="{77AD8F7D-8FF2-44B4-B8E7-84C8E1206C8D}" type="datetimeFigureOut">
               <a:rPr lang="zh-TW" altLang="en-US" smtClean="0"/>
-              <a:t>2018/4/18</a:t>
+              <a:t>2018/5/1</a:t>
             </a:fld>
             <a:endParaRPr lang="zh-TW" altLang="en-US"/>
           </a:p>
@@ -4512,7 +4513,7 @@
           <a:p>
             <a:fld id="{77AD8F7D-8FF2-44B4-B8E7-84C8E1206C8D}" type="datetimeFigureOut">
               <a:rPr lang="zh-TW" altLang="en-US" smtClean="0"/>
-              <a:t>2018/4/18</a:t>
+              <a:t>2018/5/1</a:t>
             </a:fld>
             <a:endParaRPr lang="zh-TW" altLang="en-US"/>
           </a:p>
@@ -4795,7 +4796,7 @@
           <a:p>
             <a:fld id="{77AD8F7D-8FF2-44B4-B8E7-84C8E1206C8D}" type="datetimeFigureOut">
               <a:rPr lang="zh-TW" altLang="en-US" smtClean="0"/>
-              <a:t>2018/4/18</a:t>
+              <a:t>2018/5/1</a:t>
             </a:fld>
             <a:endParaRPr lang="zh-TW" altLang="en-US"/>
           </a:p>
@@ -5086,7 +5087,7 @@
           <a:p>
             <a:fld id="{77AD8F7D-8FF2-44B4-B8E7-84C8E1206C8D}" type="datetimeFigureOut">
               <a:rPr lang="zh-TW" altLang="en-US" smtClean="0"/>
-              <a:t>2018/4/18</a:t>
+              <a:t>2018/5/1</a:t>
             </a:fld>
             <a:endParaRPr lang="zh-TW" altLang="en-US"/>
           </a:p>
@@ -5616,7 +5617,7 @@
           <a:p>
             <a:fld id="{77AD8F7D-8FF2-44B4-B8E7-84C8E1206C8D}" type="datetimeFigureOut">
               <a:rPr lang="zh-TW" altLang="en-US" smtClean="0"/>
-              <a:t>2018/4/18</a:t>
+              <a:t>2018/5/1</a:t>
             </a:fld>
             <a:endParaRPr lang="zh-TW" altLang="en-US"/>
           </a:p>
@@ -6464,6 +6465,235 @@
 </p:sld>
 </file>
 
+<file path=ppt/slides/slide12.xml><?xml version="1.0" encoding="utf-8"?>
+<p:sld xmlns:a="http://schemas.openxmlformats.org/drawingml/2006/main" xmlns:r="http://schemas.openxmlformats.org/officeDocument/2006/relationships" xmlns:p="http://schemas.openxmlformats.org/presentationml/2006/main">
+  <p:cSld>
+    <p:spTree>
+      <p:nvGrpSpPr>
+        <p:cNvPr id="1" name=""/>
+        <p:cNvGrpSpPr/>
+        <p:nvPr/>
+      </p:nvGrpSpPr>
+      <p:grpSpPr>
+        <a:xfrm>
+          <a:off x="0" y="0"/>
+          <a:ext cx="0" cy="0"/>
+          <a:chOff x="0" y="0"/>
+          <a:chExt cx="0" cy="0"/>
+        </a:xfrm>
+      </p:grpSpPr>
+      <p:sp>
+        <p:nvSpPr>
+          <p:cNvPr id="2" name="標題 1">
+            <a:extLst>
+              <a:ext uri="{FF2B5EF4-FFF2-40B4-BE49-F238E27FC236}">
+                <a16:creationId xmlns:a16="http://schemas.microsoft.com/office/drawing/2014/main" id="{8B412A65-CEE2-4715-870F-EE6A8E9FEFE1}"/>
+              </a:ext>
+            </a:extLst>
+          </p:cNvPr>
+          <p:cNvSpPr>
+            <a:spLocks noGrp="1"/>
+          </p:cNvSpPr>
+          <p:nvPr>
+            <p:ph type="title"/>
+          </p:nvPr>
+        </p:nvSpPr>
+        <p:spPr/>
+        <p:txBody>
+          <a:bodyPr/>
+          <a:lstStyle/>
+          <a:p>
+            <a:r>
+              <a:rPr lang="zh-TW" altLang="en-US" dirty="0"/>
+              <a:t>修改項目</a:t>
+            </a:r>
+          </a:p>
+        </p:txBody>
+      </p:sp>
+      <p:sp>
+        <p:nvSpPr>
+          <p:cNvPr id="3" name="內容版面配置區 2">
+            <a:extLst>
+              <a:ext uri="{FF2B5EF4-FFF2-40B4-BE49-F238E27FC236}">
+                <a16:creationId xmlns:a16="http://schemas.microsoft.com/office/drawing/2014/main" id="{8B8B7FFC-2190-4BC6-AF15-94BF8EC24E57}"/>
+              </a:ext>
+            </a:extLst>
+          </p:cNvPr>
+          <p:cNvSpPr>
+            <a:spLocks noGrp="1"/>
+          </p:cNvSpPr>
+          <p:nvPr>
+            <p:ph idx="1"/>
+          </p:nvPr>
+        </p:nvSpPr>
+        <p:spPr/>
+        <p:txBody>
+          <a:bodyPr>
+            <a:normAutofit fontScale="92500" lnSpcReduction="10000"/>
+          </a:bodyPr>
+          <a:lstStyle/>
+          <a:p>
+            <a:pPr marL="0" indent="0">
+              <a:buNone/>
+            </a:pPr>
+            <a:r>
+              <a:rPr lang="en-US" altLang="zh-TW" dirty="0"/>
+              <a:t>P.1 </a:t>
+            </a:r>
+            <a:r>
+              <a:rPr lang="zh-TW" altLang="en-US" dirty="0"/>
+              <a:t>題目名稱</a:t>
+            </a:r>
+            <a:r>
+              <a:rPr lang="en-US" altLang="zh-TW" dirty="0"/>
+              <a:t>(</a:t>
+            </a:r>
+            <a:r>
+              <a:rPr lang="zh-TW" altLang="en-US" dirty="0"/>
+              <a:t>自動旅遊行程規劃→漂流</a:t>
+            </a:r>
+            <a:r>
+              <a:rPr lang="en-US" altLang="zh-TW" dirty="0"/>
+              <a:t>)</a:t>
+            </a:r>
+          </a:p>
+          <a:p>
+            <a:pPr marL="0" indent="0">
+              <a:buNone/>
+            </a:pPr>
+            <a:r>
+              <a:rPr lang="en-US" altLang="zh-TW" dirty="0"/>
+              <a:t>P.2 </a:t>
+            </a:r>
+            <a:r>
+              <a:rPr lang="zh-TW" altLang="en-US" dirty="0"/>
+              <a:t>補充動機敘述 增加參賽組別</a:t>
+            </a:r>
+            <a:r>
+              <a:rPr lang="en-US" altLang="zh-TW" dirty="0"/>
+              <a:t>(</a:t>
+            </a:r>
+            <a:r>
+              <a:rPr lang="zh-TW" altLang="en-US" dirty="0"/>
+              <a:t>多元族群氣象資料應用組</a:t>
+            </a:r>
+            <a:r>
+              <a:rPr lang="en-US" altLang="zh-TW" dirty="0"/>
+              <a:t>)</a:t>
+            </a:r>
+          </a:p>
+          <a:p>
+            <a:pPr marL="0" indent="0">
+              <a:buNone/>
+            </a:pPr>
+            <a:r>
+              <a:rPr lang="en-US" altLang="zh-TW" dirty="0"/>
+              <a:t>P.3~5 </a:t>
+            </a:r>
+            <a:r>
+              <a:rPr lang="zh-TW" altLang="en-US" dirty="0"/>
+              <a:t>補充特色敘述以及功能介紹 增加圖例</a:t>
+            </a:r>
+          </a:p>
+          <a:p>
+            <a:pPr marL="0" indent="0">
+              <a:buNone/>
+            </a:pPr>
+            <a:r>
+              <a:rPr lang="en-US" altLang="zh-TW" dirty="0"/>
+              <a:t>P.6 </a:t>
+            </a:r>
+            <a:r>
+              <a:rPr lang="zh-TW" altLang="en-US" dirty="0"/>
+              <a:t>增加可行性的介紹 移除使用情境的敘述</a:t>
+            </a:r>
+          </a:p>
+          <a:p>
+            <a:pPr marL="0" indent="0">
+              <a:buNone/>
+            </a:pPr>
+            <a:r>
+              <a:rPr lang="en-US" altLang="zh-TW" dirty="0"/>
+              <a:t>P.7~8 </a:t>
+            </a:r>
+            <a:r>
+              <a:rPr lang="zh-TW" altLang="en-US" dirty="0"/>
+              <a:t>補充商業價值的敘述</a:t>
+            </a:r>
+            <a:r>
+              <a:rPr lang="en-US" altLang="zh-TW" dirty="0"/>
+              <a:t>(</a:t>
+            </a:r>
+            <a:r>
+              <a:rPr lang="zh-TW" altLang="en-US" dirty="0"/>
+              <a:t>參考</a:t>
+            </a:r>
+            <a:r>
+              <a:rPr lang="en-US" altLang="zh-TW" dirty="0"/>
+              <a:t>2016</a:t>
+            </a:r>
+            <a:r>
+              <a:rPr lang="zh-TW" altLang="en-US" dirty="0"/>
+              <a:t>觀光局資料</a:t>
+            </a:r>
+            <a:r>
+              <a:rPr lang="en-US" altLang="zh-TW" dirty="0"/>
+              <a:t>)</a:t>
+            </a:r>
+          </a:p>
+          <a:p>
+            <a:pPr marL="0" indent="0">
+              <a:buNone/>
+            </a:pPr>
+            <a:r>
+              <a:rPr lang="en-US" altLang="zh-TW" dirty="0"/>
+              <a:t>P.9 </a:t>
+            </a:r>
+            <a:r>
+              <a:rPr lang="zh-TW" altLang="en-US" dirty="0"/>
+              <a:t>增加使用的開放資料</a:t>
+            </a:r>
+            <a:r>
+              <a:rPr lang="en-US" altLang="zh-TW" dirty="0"/>
+              <a:t>(</a:t>
+            </a:r>
+            <a:r>
+              <a:rPr lang="zh-TW" altLang="en-US" dirty="0"/>
+              <a:t>兩樣變成六樣</a:t>
+            </a:r>
+            <a:r>
+              <a:rPr lang="en-US" altLang="zh-TW" dirty="0"/>
+              <a:t>)</a:t>
+            </a:r>
+          </a:p>
+          <a:p>
+            <a:pPr marL="0" indent="0">
+              <a:buNone/>
+            </a:pPr>
+            <a:r>
+              <a:rPr lang="en-US" altLang="zh-TW" dirty="0"/>
+              <a:t>P.10 </a:t>
+            </a:r>
+            <a:r>
+              <a:rPr lang="zh-TW" altLang="en-US" dirty="0"/>
+              <a:t>增加工作分配表</a:t>
+            </a:r>
+          </a:p>
+        </p:txBody>
+      </p:sp>
+    </p:spTree>
+    <p:extLst>
+      <p:ext uri="{BB962C8B-B14F-4D97-AF65-F5344CB8AC3E}">
+        <p14:creationId xmlns:p14="http://schemas.microsoft.com/office/powerpoint/2010/main" val="1297818046"/>
+      </p:ext>
+    </p:extLst>
+  </p:cSld>
+  <p:clrMapOvr>
+    <a:masterClrMapping/>
+  </p:clrMapOvr>
+</p:sld>
+</file>
+
 <file path=ppt/slides/slide2.xml><?xml version="1.0" encoding="utf-8"?>
 <p:sld xmlns:a="http://schemas.openxmlformats.org/drawingml/2006/main" xmlns:r="http://schemas.openxmlformats.org/officeDocument/2006/relationships" xmlns:p="http://schemas.openxmlformats.org/presentationml/2006/main">
   <p:cSld>
